--- a/Activity 01/Vertudez_Activity_1_Report.pptx
+++ b/Activity 01/Vertudez_Activity_1_Report.pptx
@@ -263,7 +263,7 @@
           <a:p>
             <a:fld id="{C977F0E1-D0AB-4222-BA87-70E524633AC4}" type="datetimeFigureOut">
               <a:rPr lang="en-US" smtClean="0"/>
-              <a:t>6/20/2023</a:t>
+              <a:t>7/1/2023</a:t>
             </a:fld>
             <a:endParaRPr lang="en-US"/>
           </a:p>
@@ -461,7 +461,7 @@
           <a:p>
             <a:fld id="{C977F0E1-D0AB-4222-BA87-70E524633AC4}" type="datetimeFigureOut">
               <a:rPr lang="en-US" smtClean="0"/>
-              <a:t>6/20/2023</a:t>
+              <a:t>7/1/2023</a:t>
             </a:fld>
             <a:endParaRPr lang="en-US"/>
           </a:p>
@@ -669,7 +669,7 @@
           <a:p>
             <a:fld id="{C977F0E1-D0AB-4222-BA87-70E524633AC4}" type="datetimeFigureOut">
               <a:rPr lang="en-US" smtClean="0"/>
-              <a:t>6/20/2023</a:t>
+              <a:t>7/1/2023</a:t>
             </a:fld>
             <a:endParaRPr lang="en-US"/>
           </a:p>
@@ -867,7 +867,7 @@
           <a:p>
             <a:fld id="{C977F0E1-D0AB-4222-BA87-70E524633AC4}" type="datetimeFigureOut">
               <a:rPr lang="en-US" smtClean="0"/>
-              <a:t>6/20/2023</a:t>
+              <a:t>7/1/2023</a:t>
             </a:fld>
             <a:endParaRPr lang="en-US"/>
           </a:p>
@@ -1142,7 +1142,7 @@
           <a:p>
             <a:fld id="{C977F0E1-D0AB-4222-BA87-70E524633AC4}" type="datetimeFigureOut">
               <a:rPr lang="en-US" smtClean="0"/>
-              <a:t>6/20/2023</a:t>
+              <a:t>7/1/2023</a:t>
             </a:fld>
             <a:endParaRPr lang="en-US"/>
           </a:p>
@@ -1407,7 +1407,7 @@
           <a:p>
             <a:fld id="{C977F0E1-D0AB-4222-BA87-70E524633AC4}" type="datetimeFigureOut">
               <a:rPr lang="en-US" smtClean="0"/>
-              <a:t>6/20/2023</a:t>
+              <a:t>7/1/2023</a:t>
             </a:fld>
             <a:endParaRPr lang="en-US"/>
           </a:p>
@@ -1819,7 +1819,7 @@
           <a:p>
             <a:fld id="{C977F0E1-D0AB-4222-BA87-70E524633AC4}" type="datetimeFigureOut">
               <a:rPr lang="en-US" smtClean="0"/>
-              <a:t>6/20/2023</a:t>
+              <a:t>7/1/2023</a:t>
             </a:fld>
             <a:endParaRPr lang="en-US"/>
           </a:p>
@@ -1960,7 +1960,7 @@
           <a:p>
             <a:fld id="{C977F0E1-D0AB-4222-BA87-70E524633AC4}" type="datetimeFigureOut">
               <a:rPr lang="en-US" smtClean="0"/>
-              <a:t>6/20/2023</a:t>
+              <a:t>7/1/2023</a:t>
             </a:fld>
             <a:endParaRPr lang="en-US"/>
           </a:p>
@@ -2073,7 +2073,7 @@
           <a:p>
             <a:fld id="{C977F0E1-D0AB-4222-BA87-70E524633AC4}" type="datetimeFigureOut">
               <a:rPr lang="en-US" smtClean="0"/>
-              <a:t>6/20/2023</a:t>
+              <a:t>7/1/2023</a:t>
             </a:fld>
             <a:endParaRPr lang="en-US"/>
           </a:p>
@@ -2384,7 +2384,7 @@
           <a:p>
             <a:fld id="{C977F0E1-D0AB-4222-BA87-70E524633AC4}" type="datetimeFigureOut">
               <a:rPr lang="en-US" smtClean="0"/>
-              <a:t>6/20/2023</a:t>
+              <a:t>7/1/2023</a:t>
             </a:fld>
             <a:endParaRPr lang="en-US"/>
           </a:p>
@@ -2672,7 +2672,7 @@
           <a:p>
             <a:fld id="{C977F0E1-D0AB-4222-BA87-70E524633AC4}" type="datetimeFigureOut">
               <a:rPr lang="en-US" smtClean="0"/>
-              <a:t>6/20/2023</a:t>
+              <a:t>7/1/2023</a:t>
             </a:fld>
             <a:endParaRPr lang="en-US"/>
           </a:p>
@@ -2913,7 +2913,7 @@
           <a:p>
             <a:fld id="{C977F0E1-D0AB-4222-BA87-70E524633AC4}" type="datetimeFigureOut">
               <a:rPr lang="en-US" smtClean="0"/>
-              <a:t>6/20/2023</a:t>
+              <a:t>7/1/2023</a:t>
             </a:fld>
             <a:endParaRPr lang="en-US"/>
           </a:p>
@@ -3348,7 +3348,7 @@
         </p:nvSpPr>
         <p:spPr>
           <a:xfrm>
-            <a:off x="1524000" y="2235200"/>
+            <a:off x="1524000" y="1826827"/>
             <a:ext cx="9144000" cy="2387600"/>
           </a:xfrm>
         </p:spPr>
@@ -3390,7 +3390,7 @@
         </p:nvSpPr>
         <p:spPr>
           <a:xfrm>
-            <a:off x="1524000" y="4992318"/>
+            <a:off x="1524000" y="4583945"/>
             <a:ext cx="9144000" cy="993228"/>
           </a:xfrm>
         </p:spPr>
